--- a/P2/Final_Delivery.pptx
+++ b/P2/Final_Delivery.pptx
@@ -14,6 +14,8 @@
     <p:sldId id="259" r:id="rId8"/>
     <p:sldId id="260" r:id="rId9"/>
     <p:sldId id="261" r:id="rId10"/>
+    <p:sldId id="262" r:id="rId11"/>
+    <p:sldId id="263" r:id="rId12"/>
   </p:sldIdLst>
   <p:sldSz cx="12188825" cy="6858000"/>
   <p:notesSz cx="7559675" cy="10691813"/>
@@ -112,6 +114,11 @@
       </a:defRPr>
     </a:lvl9pPr>
   </p:defaultTextStyle>
+  <p:extLst>
+    <p:ext uri="{EFAFB233-063F-42B5-8137-9DF3F51BA10A}">
+      <p15:sldGuideLst xmlns:p15="http://schemas.microsoft.com/office/powerpoint/2012/main"/>
+    </p:ext>
+  </p:extLst>
 </p:presentation>
 </file>
 
@@ -6857,7 +6864,7 @@
                 </a:solidFill>
                 <a:latin typeface="Calibri"/>
               </a:rPr>
-              <a:t>‹nº›</a:t>
+              <a:t>‹#›</a:t>
             </a:fld>
             <a:endParaRPr lang="pt-PT" sz="1200" b="0" strike="noStrike" spc="-1">
               <a:latin typeface="Times New Roman"/>
@@ -7859,7 +7866,7 @@
                 </a:solidFill>
                 <a:latin typeface="Calibri"/>
               </a:rPr>
-              <a:t>‹nº›</a:t>
+              <a:t>‹#›</a:t>
             </a:fld>
             <a:endParaRPr lang="pt-PT" sz="1200" b="0" strike="noStrike" spc="-1">
               <a:latin typeface="Times New Roman"/>
@@ -8531,7 +8538,7 @@
                 </a:solidFill>
                 <a:latin typeface="Calibri"/>
               </a:rPr>
-              <a:t>‹nº›</a:t>
+              <a:t>‹#›</a:t>
             </a:fld>
             <a:endParaRPr lang="pt-PT" sz="1200" b="0" strike="noStrike" spc="-1">
               <a:latin typeface="Times New Roman"/>
@@ -9785,7 +9792,7 @@
                 </a:solidFill>
                 <a:latin typeface="Calibri"/>
               </a:rPr>
-              <a:t>‹nº›</a:t>
+              <a:t>‹#›</a:t>
             </a:fld>
             <a:endParaRPr lang="pt-PT" sz="1200" b="0" strike="noStrike" spc="-1">
               <a:latin typeface="Times New Roman"/>
@@ -10369,7 +10376,7 @@
         <p:fade/>
       </p:transition>
     </mc:Choice>
-    <mc:Fallback xmlns:p15="http://schemas.microsoft.com/office/powerpoint/2012/main" xmlns="">
+    <mc:Fallback xmlns="" xmlns:p15="http://schemas.microsoft.com/office/powerpoint/2012/main">
       <p:transition spd="med">
         <p:fade/>
       </p:transition>
@@ -10542,7 +10549,25 @@
                 </a:solidFill>
                 <a:latin typeface="Calibri"/>
               </a:rPr>
-              <a:t>This project aims to identify how offensive a given text is, by attributing a score from 0 – 5 (5 being the most offensive).</a:t>
+              <a:t>This project aims to identify how offensive a given text is, by attributing a score from </a:t>
+            </a:r>
+            <a:r>
+              <a:rPr lang="en-US" sz="4800" spc="-1" dirty="0">
+                <a:solidFill>
+                  <a:srgbClr val="FFFFFF"/>
+                </a:solidFill>
+                <a:latin typeface="Calibri"/>
+              </a:rPr>
+              <a:t>(higher score =&gt; more offen</a:t>
+            </a:r>
+            <a:r>
+              <a:rPr lang="en-US" sz="4800" b="0" strike="noStrike" spc="-1" dirty="0">
+                <a:solidFill>
+                  <a:srgbClr val="FFFFFF"/>
+                </a:solidFill>
+                <a:latin typeface="Calibri"/>
+              </a:rPr>
+              <a:t>sive).</a:t>
             </a:r>
             <a:endParaRPr lang="pt-BR" sz="4800" b="0" strike="noStrike" spc="-1" dirty="0">
               <a:solidFill>
@@ -10611,7 +10636,7 @@
         <p:fade/>
       </p:transition>
     </mc:Choice>
-    <mc:Fallback xmlns:p15="http://schemas.microsoft.com/office/powerpoint/2012/main" xmlns="">
+    <mc:Fallback xmlns="" xmlns:p15="http://schemas.microsoft.com/office/powerpoint/2012/main">
       <p:transition spd="med">
         <p:fade/>
       </p:transition>
@@ -10934,12 +10959,72 @@
               </a:rPr>
               <a:t>https://arxiv.org/pdf/2104.10336v1.pdf</a:t>
             </a:r>
-            <a:endParaRPr lang="pt-BR" sz="1800" b="0" strike="noStrike" spc="-1" dirty="0">
-              <a:solidFill>
-                <a:srgbClr val="FFFFFF"/>
-              </a:solidFill>
-              <a:latin typeface="Calibri"/>
-            </a:endParaRPr>
+            <a:endParaRPr lang="en-GB" sz="1800" b="0" strike="noStrike" spc="-1" dirty="0">
+              <a:solidFill>
+                <a:srgbClr val="009999"/>
+              </a:solidFill>
+              <a:latin typeface="Calibri"/>
+            </a:endParaRPr>
+          </a:p>
+          <a:p>
+            <a:pPr marL="304920" indent="-304560">
+              <a:lnSpc>
+                <a:spcPct val="90000"/>
+              </a:lnSpc>
+              <a:spcBef>
+                <a:spcPts val="1599"/>
+              </a:spcBef>
+              <a:buClr>
+                <a:srgbClr val="009999"/>
+              </a:buClr>
+              <a:buFont typeface="Arial"/>
+              <a:buChar char="•"/>
+            </a:pPr>
+            <a:r>
+              <a:rPr lang="en-US" sz="1800" b="0" strike="noStrike" spc="-1" dirty="0">
+                <a:solidFill>
+                  <a:srgbClr val="FFFFFF"/>
+                </a:solidFill>
+                <a:latin typeface="Calibri"/>
+              </a:rPr>
+              <a:t>Learning curve: </a:t>
+            </a:r>
+            <a:r>
+              <a:rPr lang="en-GB" b="0" i="0" u="none" strike="noStrike" dirty="0">
+                <a:effectLst/>
+                <a:latin typeface="Whitney"/>
+                <a:hlinkClick r:id="rId6" tooltip="https://scikit-learn.org/stable/auto_examples/neural_networks/plot_mlp_training_curves.html"/>
+              </a:rPr>
+              <a:t>https://scikit-learn.org/stable/auto_examples/neural_networks/plot_mlp_training_curves.html</a:t>
+            </a:r>
+            <a:endParaRPr lang="en-GB" b="0" i="0" u="none" strike="noStrike" dirty="0">
+              <a:effectLst/>
+              <a:latin typeface="Whitney"/>
+            </a:endParaRPr>
+          </a:p>
+          <a:p>
+            <a:pPr marL="304920" indent="-304560">
+              <a:lnSpc>
+                <a:spcPct val="90000"/>
+              </a:lnSpc>
+              <a:spcBef>
+                <a:spcPts val="1599"/>
+              </a:spcBef>
+              <a:buClr>
+                <a:srgbClr val="009999"/>
+              </a:buClr>
+              <a:buFont typeface="Arial"/>
+              <a:buChar char="•"/>
+            </a:pPr>
+            <a:r>
+              <a:rPr lang="pt-BR" sz="1800" b="0" strike="noStrike" spc="-1" dirty="0">
+                <a:solidFill>
+                  <a:srgbClr val="FFFFFF"/>
+                </a:solidFill>
+                <a:latin typeface="Calibri"/>
+              </a:rPr>
+              <a:t>Moodle contents from the UC</a:t>
+            </a:r>
           </a:p>
         </p:txBody>
       </p:sp>
@@ -10954,7 +11039,7 @@
         <p:fade/>
       </p:transition>
     </mc:Choice>
-    <mc:Fallback xmlns:p15="http://schemas.microsoft.com/office/powerpoint/2012/main" xmlns="">
+    <mc:Fallback xmlns="" xmlns:p15="http://schemas.microsoft.com/office/powerpoint/2012/main">
       <p:transition spd="med">
         <p:fade/>
       </p:transition>
@@ -11037,7 +11122,7 @@
         <p:spPr>
           <a:xfrm>
             <a:off x="1218960" y="1845000"/>
-            <a:ext cx="7539480" cy="2346480"/>
+            <a:ext cx="7539480" cy="3117348"/>
           </a:xfrm>
           <a:prstGeom prst="rect">
             <a:avLst/>
@@ -11086,16 +11171,19 @@
           <a:p>
             <a:pPr marL="285840" indent="-285480">
               <a:lnSpc>
-                <a:spcPct val="100000"/>
+                <a:spcPct val="90000"/>
               </a:lnSpc>
+              <a:spcBef>
+                <a:spcPts val="1599"/>
+              </a:spcBef>
               <a:buClr>
-                <a:srgbClr val="FFFFFF"/>
+                <a:srgbClr val="009999"/>
               </a:buClr>
               <a:buFont typeface="Arial"/>
               <a:buChar char="•"/>
             </a:pPr>
             <a:r>
-              <a:rPr lang="en-GB" sz="2000" b="0" strike="noStrike" spc="-1" dirty="0">
+              <a:rPr lang="pt-PT" sz="2000" b="0" strike="noStrike" spc="-1" dirty="0">
                 <a:solidFill>
                   <a:srgbClr val="FFFFFF"/>
                 </a:solidFill>
@@ -11103,23 +11191,29 @@
               </a:rPr>
               <a:t>SVM</a:t>
             </a:r>
-            <a:endParaRPr lang="pt-PT" sz="2000" b="0" strike="noStrike" spc="-1" dirty="0">
-              <a:latin typeface="Arial"/>
+            <a:endParaRPr lang="pt-BR" sz="2000" b="0" strike="noStrike" spc="-1" dirty="0">
+              <a:solidFill>
+                <a:srgbClr val="FFFFFF"/>
+              </a:solidFill>
+              <a:latin typeface="Calibri"/>
             </a:endParaRPr>
           </a:p>
           <a:p>
             <a:pPr marL="285840" indent="-285480">
               <a:lnSpc>
-                <a:spcPct val="100000"/>
+                <a:spcPct val="90000"/>
               </a:lnSpc>
+              <a:spcBef>
+                <a:spcPts val="1599"/>
+              </a:spcBef>
               <a:buClr>
-                <a:srgbClr val="FFFFFF"/>
+                <a:srgbClr val="009999"/>
               </a:buClr>
               <a:buFont typeface="Arial"/>
               <a:buChar char="•"/>
             </a:pPr>
             <a:r>
-              <a:rPr lang="en-GB" sz="2000" b="0" strike="noStrike" spc="-1" dirty="0">
+              <a:rPr lang="pt-PT" sz="2000" b="0" strike="noStrike" spc="-1" dirty="0">
                 <a:solidFill>
                   <a:srgbClr val="FFFFFF"/>
                 </a:solidFill>
@@ -11127,41 +11221,71 @@
               </a:rPr>
               <a:t>Neural Networks (MLP)</a:t>
             </a:r>
-            <a:endParaRPr lang="pt-PT" sz="2000" b="0" strike="noStrike" spc="-1" dirty="0">
-              <a:latin typeface="Arial"/>
+            <a:endParaRPr lang="pt-BR" sz="2000" b="0" strike="noStrike" spc="-1" dirty="0">
+              <a:solidFill>
+                <a:srgbClr val="FFFFFF"/>
+              </a:solidFill>
+              <a:latin typeface="Calibri"/>
             </a:endParaRPr>
           </a:p>
           <a:p>
             <a:pPr marL="285840" indent="-285480">
               <a:lnSpc>
-                <a:spcPct val="100000"/>
+                <a:spcPct val="90000"/>
               </a:lnSpc>
+              <a:spcBef>
+                <a:spcPts val="1599"/>
+              </a:spcBef>
               <a:buClr>
-                <a:srgbClr val="FFFFFF"/>
+                <a:srgbClr val="009999"/>
               </a:buClr>
               <a:buFont typeface="Arial"/>
               <a:buChar char="•"/>
             </a:pPr>
             <a:r>
-              <a:rPr lang="en-GB" sz="2000" b="0" strike="noStrike" spc="-1" dirty="0">
+              <a:rPr lang="pt-PT" sz="2000" b="0" strike="noStrike" spc="-1" dirty="0" err="1">
                 <a:solidFill>
                   <a:srgbClr val="FFFFFF"/>
                 </a:solidFill>
                 <a:latin typeface="Calibri"/>
               </a:rPr>
-              <a:t>Logistic Regression</a:t>
+              <a:t>Logistic</a:t>
             </a:r>
-            <a:endParaRPr lang="pt-PT" sz="2000" b="0" strike="noStrike" spc="-1" dirty="0">
-              <a:latin typeface="Arial"/>
+            <a:r>
+              <a:rPr lang="pt-PT" sz="2000" b="0" strike="noStrike" spc="-1" dirty="0">
+                <a:solidFill>
+                  <a:srgbClr val="FFFFFF"/>
+                </a:solidFill>
+                <a:latin typeface="Calibri"/>
+              </a:rPr>
+              <a:t> </a:t>
+            </a:r>
+            <a:r>
+              <a:rPr lang="pt-PT" sz="2000" b="0" strike="noStrike" spc="-1" dirty="0" err="1">
+                <a:solidFill>
+                  <a:srgbClr val="FFFFFF"/>
+                </a:solidFill>
+                <a:latin typeface="Calibri"/>
+              </a:rPr>
+              <a:t>Regression</a:t>
+            </a:r>
+            <a:endParaRPr lang="pt-BR" sz="2000" b="0" strike="noStrike" spc="-1" dirty="0">
+              <a:solidFill>
+                <a:srgbClr val="FFFFFF"/>
+              </a:solidFill>
+              <a:latin typeface="Calibri"/>
             </a:endParaRPr>
           </a:p>
           <a:p>
             <a:pPr marL="285840" indent="-285480">
               <a:lnSpc>
-                <a:spcPct val="100000"/>
+                <a:spcPct val="90000"/>
               </a:lnSpc>
+              <a:spcBef>
+                <a:spcPts val="1599"/>
+              </a:spcBef>
               <a:buClr>
-                <a:srgbClr val="FFFFFF"/>
+                <a:srgbClr val="009999"/>
               </a:buClr>
               <a:buFont typeface="Arial"/>
               <a:buChar char="•"/>
@@ -11175,17 +11299,17 @@
               </a:rPr>
               <a:t>Random Forest</a:t>
             </a:r>
-            <a:endParaRPr lang="pt-PT" sz="2000" b="0" strike="noStrike" spc="-1" dirty="0">
-              <a:latin typeface="Arial"/>
-            </a:endParaRPr>
           </a:p>
           <a:p>
             <a:pPr marL="285840" indent="-285480">
               <a:lnSpc>
-                <a:spcPct val="100000"/>
+                <a:spcPct val="90000"/>
               </a:lnSpc>
+              <a:spcBef>
+                <a:spcPts val="1599"/>
+              </a:spcBef>
               <a:buClr>
-                <a:srgbClr val="FFFFFF"/>
+                <a:srgbClr val="009999"/>
               </a:buClr>
               <a:buFont typeface="Arial"/>
               <a:buChar char="•"/>
@@ -11199,8 +11323,11 @@
               </a:rPr>
               <a:t>Decision Tree</a:t>
             </a:r>
-            <a:endParaRPr lang="pt-PT" sz="2000" b="0" strike="noStrike" spc="-1" dirty="0">
-              <a:latin typeface="Arial"/>
+            <a:endParaRPr lang="pt-BR" sz="2000" b="0" strike="noStrike" spc="-1" dirty="0">
+              <a:solidFill>
+                <a:srgbClr val="FFFFFF"/>
+              </a:solidFill>
+              <a:latin typeface="Calibri"/>
             </a:endParaRPr>
           </a:p>
           <a:p>
@@ -11226,7 +11353,7 @@
         <p:fade/>
       </p:transition>
     </mc:Choice>
-    <mc:Fallback xmlns:p15="http://schemas.microsoft.com/office/powerpoint/2012/main" xmlns="">
+    <mc:Fallback xmlns="" xmlns:p15="http://schemas.microsoft.com/office/powerpoint/2012/main">
       <p:transition spd="med">
         <p:fade/>
       </p:transition>
@@ -11283,7 +11410,7 @@
               </a:lnSpc>
             </a:pPr>
             <a:r>
-              <a:rPr lang="pt-BR" sz="3600" b="1" strike="noStrike" spc="-1">
+              <a:rPr lang="pt-BR" sz="3600" b="1" strike="noStrike" spc="-1" dirty="0">
                 <a:solidFill>
                   <a:srgbClr val="FFFFFF"/>
                 </a:solidFill>
@@ -11291,7 +11418,7 @@
               </a:rPr>
               <a:t>Data Preprocessing</a:t>
             </a:r>
-            <a:endParaRPr lang="pt-BR" sz="3600" b="0" strike="noStrike" spc="-1">
+            <a:endParaRPr lang="pt-BR" sz="3600" b="0" strike="noStrike" spc="-1" dirty="0">
               <a:solidFill>
                 <a:srgbClr val="FFFFFF"/>
               </a:solidFill>
@@ -11333,7 +11460,7 @@
                 <a:spcPts val="1599"/>
               </a:spcBef>
             </a:pPr>
-            <a:endParaRPr lang="pt-BR" sz="2800" b="0" strike="noStrike" spc="-1">
+            <a:endParaRPr lang="pt-BR" sz="2800" b="0" strike="noStrike" spc="-1" dirty="0">
               <a:solidFill>
                 <a:srgbClr val="FFFFFF"/>
               </a:solidFill>
@@ -11355,7 +11482,7 @@
               <a:buChar char="•"/>
             </a:pPr>
             <a:r>
-              <a:rPr lang="en-GB" sz="2800" b="0" strike="noStrike" spc="-1">
+              <a:rPr lang="en-GB" sz="2800" b="0" strike="noStrike" spc="-1" dirty="0">
                 <a:solidFill>
                   <a:srgbClr val="FFFFFF"/>
                 </a:solidFill>
@@ -11363,7 +11490,7 @@
               </a:rPr>
               <a:t>Porter Stemmer</a:t>
             </a:r>
-            <a:endParaRPr lang="pt-BR" sz="2800" b="0" strike="noStrike" spc="-1">
+            <a:endParaRPr lang="pt-BR" sz="2800" b="0" strike="noStrike" spc="-1" dirty="0">
               <a:solidFill>
                 <a:srgbClr val="FFFFFF"/>
               </a:solidFill>
@@ -11385,7 +11512,7 @@
               <a:buChar char="•"/>
             </a:pPr>
             <a:r>
-              <a:rPr lang="en-GB" sz="2800" b="0" strike="noStrike" spc="-1">
+              <a:rPr lang="en-GB" sz="2800" b="0" strike="noStrike" spc="-1" dirty="0">
                 <a:solidFill>
                   <a:srgbClr val="FFFFFF"/>
                 </a:solidFill>
@@ -11393,7 +11520,7 @@
               </a:rPr>
               <a:t>Bag of Words</a:t>
             </a:r>
-            <a:endParaRPr lang="pt-BR" sz="2800" b="0" strike="noStrike" spc="-1">
+            <a:endParaRPr lang="pt-BR" sz="2800" b="0" strike="noStrike" spc="-1" dirty="0">
               <a:solidFill>
                 <a:srgbClr val="FFFFFF"/>
               </a:solidFill>
@@ -11415,7 +11542,7 @@
               <a:buChar char="•"/>
             </a:pPr>
             <a:r>
-              <a:rPr lang="en-GB" sz="2800" b="0" strike="noStrike" spc="-1">
+              <a:rPr lang="en-GB" sz="2800" b="0" strike="noStrike" spc="-1" dirty="0">
                 <a:solidFill>
                   <a:srgbClr val="FFFFFF"/>
                 </a:solidFill>
@@ -11423,7 +11550,7 @@
               </a:rPr>
               <a:t>N-grams (bi-grams and tri-grams)</a:t>
             </a:r>
-            <a:endParaRPr lang="pt-BR" sz="2800" b="0" strike="noStrike" spc="-1">
+            <a:endParaRPr lang="pt-BR" sz="2800" b="0" strike="noStrike" spc="-1" dirty="0">
               <a:solidFill>
                 <a:srgbClr val="FFFFFF"/>
               </a:solidFill>
@@ -11445,7 +11572,7 @@
               <a:buChar char="•"/>
             </a:pPr>
             <a:r>
-              <a:rPr lang="en-GB" sz="2800" b="0" strike="noStrike" spc="-1">
+              <a:rPr lang="en-GB" sz="2800" b="0" strike="noStrike" spc="-1" dirty="0">
                 <a:solidFill>
                   <a:srgbClr val="FFFFFF"/>
                 </a:solidFill>
@@ -11453,7 +11580,7 @@
               </a:rPr>
               <a:t>TF-IDF</a:t>
             </a:r>
-            <a:endParaRPr lang="pt-BR" sz="2800" b="0" strike="noStrike" spc="-1">
+            <a:endParaRPr lang="pt-BR" sz="2800" b="0" strike="noStrike" spc="-1" dirty="0">
               <a:solidFill>
                 <a:srgbClr val="FFFFFF"/>
               </a:solidFill>
@@ -11469,7 +11596,7 @@
                 <a:spcPts val="1599"/>
               </a:spcBef>
             </a:pPr>
-            <a:endParaRPr lang="pt-BR" sz="2800" b="0" strike="noStrike" spc="-1">
+            <a:endParaRPr lang="pt-BR" sz="2800" b="0" strike="noStrike" spc="-1" dirty="0">
               <a:solidFill>
                 <a:srgbClr val="FFFFFF"/>
               </a:solidFill>
@@ -11489,7 +11616,7 @@
         <p:fade/>
       </p:transition>
     </mc:Choice>
-    <mc:Fallback xmlns:p15="http://schemas.microsoft.com/office/powerpoint/2012/main" xmlns="">
+    <mc:Fallback xmlns="" xmlns:p15="http://schemas.microsoft.com/office/powerpoint/2012/main">
       <p:transition spd="med">
         <p:fade/>
       </p:transition>
@@ -11546,7 +11673,7 @@
               </a:lnSpc>
             </a:pPr>
             <a:r>
-              <a:rPr lang="pt-BR" sz="3600" b="1" strike="noStrike" spc="-1">
+              <a:rPr lang="pt-BR" sz="3600" b="1" strike="noStrike" spc="-1" dirty="0">
                 <a:solidFill>
                   <a:srgbClr val="FFFFFF"/>
                 </a:solidFill>
@@ -11554,7 +11681,7 @@
               </a:rPr>
               <a:t>Techniques Used</a:t>
             </a:r>
-            <a:endParaRPr lang="pt-BR" sz="3600" b="0" strike="noStrike" spc="-1">
+            <a:endParaRPr lang="pt-BR" sz="3600" b="0" strike="noStrike" spc="-1" dirty="0">
               <a:solidFill>
                 <a:srgbClr val="FFFFFF"/>
               </a:solidFill>
@@ -11599,7 +11726,7 @@
               <a:buChar char="•"/>
             </a:pPr>
             <a:r>
-              <a:rPr lang="en-GB" sz="2000" b="0" strike="noStrike" spc="-1">
+              <a:rPr lang="en-GB" sz="2000" b="0" strike="noStrike" spc="-1" dirty="0">
                 <a:solidFill>
                   <a:srgbClr val="FFFFFF"/>
                 </a:solidFill>
@@ -11607,7 +11734,7 @@
               </a:rPr>
               <a:t>Divided Data into train, test and dev sets in order to avoid overfitting to the test set.</a:t>
             </a:r>
-            <a:endParaRPr lang="pt-BR" sz="2000" b="0" strike="noStrike" spc="-1">
+            <a:endParaRPr lang="pt-BR" sz="2000" b="0" strike="noStrike" spc="-1" dirty="0">
               <a:solidFill>
                 <a:srgbClr val="FFFFFF"/>
               </a:solidFill>
@@ -11625,7 +11752,7 @@
               <a:buFont typeface="Arial"/>
               <a:buChar char="•"/>
             </a:pPr>
-            <a:endParaRPr lang="pt-BR" sz="2000" b="0" strike="noStrike" spc="-1">
+            <a:endParaRPr lang="pt-BR" sz="2000" b="0" strike="noStrike" spc="-1" dirty="0">
               <a:solidFill>
                 <a:srgbClr val="FFFFFF"/>
               </a:solidFill>
@@ -11644,7 +11771,7 @@
               <a:buChar char="•"/>
             </a:pPr>
             <a:r>
-              <a:rPr lang="en-GB" sz="2000" b="0" strike="noStrike" spc="-1">
+              <a:rPr lang="en-GB" sz="2000" b="0" strike="noStrike" spc="-1" dirty="0">
                 <a:solidFill>
                   <a:srgbClr val="FFFFFF"/>
                 </a:solidFill>
@@ -11652,7 +11779,7 @@
               </a:rPr>
               <a:t>Removed Stop words from phrases.</a:t>
             </a:r>
-            <a:endParaRPr lang="pt-BR" sz="2000" b="0" strike="noStrike" spc="-1">
+            <a:endParaRPr lang="pt-BR" sz="2000" b="0" strike="noStrike" spc="-1" dirty="0">
               <a:solidFill>
                 <a:srgbClr val="FFFFFF"/>
               </a:solidFill>
@@ -11670,7 +11797,7 @@
               <a:buFont typeface="Arial"/>
               <a:buChar char="•"/>
             </a:pPr>
-            <a:endParaRPr lang="pt-BR" sz="2000" b="0" strike="noStrike" spc="-1">
+            <a:endParaRPr lang="pt-BR" sz="2000" b="0" strike="noStrike" spc="-1" dirty="0">
               <a:solidFill>
                 <a:srgbClr val="FFFFFF"/>
               </a:solidFill>
@@ -11689,15 +11816,15 @@
               <a:buChar char="•"/>
             </a:pPr>
             <a:r>
-              <a:rPr lang="en-GB" sz="2000" b="0" strike="noStrike" spc="-1">
+              <a:rPr lang="en-GB" sz="2000" b="0" strike="noStrike" spc="-1" dirty="0">
                 <a:solidFill>
                   <a:srgbClr val="FFFFFF"/>
                 </a:solidFill>
                 <a:latin typeface="Calibri"/>
               </a:rPr>
-              <a:t>Due to our dataset being highly inbalanced:</a:t>
+              <a:t>Due to our dataset being highly imbalanced (from 9000 rows, ~6400 were scored 0):</a:t>
             </a:r>
-            <a:endParaRPr lang="pt-BR" sz="2000" b="0" strike="noStrike" spc="-1">
+            <a:endParaRPr lang="pt-BR" sz="2000" b="0" strike="noStrike" spc="-1" dirty="0">
               <a:solidFill>
                 <a:srgbClr val="FFFFFF"/>
               </a:solidFill>
@@ -11716,15 +11843,15 @@
               <a:buChar char="•"/>
             </a:pPr>
             <a:r>
-              <a:rPr lang="en-GB" sz="2000" b="0" strike="noStrike" spc="-1">
+              <a:rPr lang="en-GB" sz="2000" b="0" strike="noStrike" spc="-1" dirty="0">
                 <a:solidFill>
                   <a:srgbClr val="FFFFFF"/>
                 </a:solidFill>
                 <a:latin typeface="Calibri"/>
               </a:rPr>
-              <a:t>→ Rounded our labels (they were floats) and transformed labels 2-5 in 2, in order to simplify classification. The amount of examples of the higher numbers was below 200.</a:t>
+              <a:t>→ Rounded our labels (they were floats) and transformed labels 2-5 in 2, in order to simplify classification. The amount of examples of the higher scores was below 200.</a:t>
             </a:r>
-            <a:endParaRPr lang="pt-BR" sz="2000" b="0" strike="noStrike" spc="-1">
+            <a:endParaRPr lang="pt-BR" sz="2000" b="0" strike="noStrike" spc="-1" dirty="0">
               <a:solidFill>
                 <a:srgbClr val="FFFFFF"/>
               </a:solidFill>
@@ -11743,16 +11870,16 @@
               <a:buChar char="•"/>
             </a:pPr>
             <a:r>
-              <a:rPr lang="en-GB" sz="2000" b="0" strike="noStrike" spc="-1">
+              <a:rPr lang="en-GB" sz="2000" b="0" strike="noStrike" spc="-1" dirty="0">
                 <a:solidFill>
                   <a:srgbClr val="FFFFFF"/>
                 </a:solidFill>
                 <a:latin typeface="Calibri"/>
                 <a:ea typeface="Noto Sans CJK SC"/>
               </a:rPr>
-              <a:t>→ Used SMOTE alond with Random Under Sampler to balance our data to 3.000 examples of each</a:t>
+              <a:t>→ Used SMOTE along with Random Under Sampler to balance our data to 3.000 examples of each</a:t>
             </a:r>
-            <a:endParaRPr lang="pt-BR" sz="2000" b="0" strike="noStrike" spc="-1">
+            <a:endParaRPr lang="pt-BR" sz="2000" b="0" strike="noStrike" spc="-1" dirty="0">
               <a:solidFill>
                 <a:srgbClr val="FFFFFF"/>
               </a:solidFill>
@@ -11772,12 +11899,357 @@
         <p:fade/>
       </p:transition>
     </mc:Choice>
-    <mc:Fallback xmlns:p15="http://schemas.microsoft.com/office/powerpoint/2012/main" xmlns="">
+    <mc:Fallback xmlns="" xmlns:p15="http://schemas.microsoft.com/office/powerpoint/2012/main">
       <p:transition spd="med">
         <p:fade/>
       </p:transition>
     </mc:Fallback>
   </mc:AlternateContent>
+</p:sld>
+</file>
+
+<file path=ppt/slides/slide7.xml><?xml version="1.0" encoding="utf-8"?>
+<p:sld xmlns:a="http://schemas.openxmlformats.org/drawingml/2006/main" xmlns:r="http://schemas.openxmlformats.org/officeDocument/2006/relationships" xmlns:p="http://schemas.openxmlformats.org/presentationml/2006/main">
+  <p:cSld>
+    <p:spTree>
+      <p:nvGrpSpPr>
+        <p:cNvPr id="1" name=""/>
+        <p:cNvGrpSpPr/>
+        <p:nvPr/>
+      </p:nvGrpSpPr>
+      <p:grpSpPr>
+        <a:xfrm>
+          <a:off x="0" y="0"/>
+          <a:ext cx="0" cy="0"/>
+          <a:chOff x="0" y="0"/>
+          <a:chExt cx="0" cy="0"/>
+        </a:xfrm>
+      </p:grpSpPr>
+      <p:sp>
+        <p:nvSpPr>
+          <p:cNvPr id="2" name="Title 1">
+            <a:extLst>
+              <a:ext uri="{FF2B5EF4-FFF2-40B4-BE49-F238E27FC236}">
+                <a16:creationId xmlns:a16="http://schemas.microsoft.com/office/drawing/2014/main" id="{9859812B-B802-434C-82DF-8C65B4EDE851}"/>
+              </a:ext>
+            </a:extLst>
+          </p:cNvPr>
+          <p:cNvSpPr>
+            <a:spLocks noGrp="1"/>
+          </p:cNvSpPr>
+          <p:nvPr>
+            <p:ph type="title"/>
+          </p:nvPr>
+        </p:nvSpPr>
+        <p:spPr/>
+        <p:txBody>
+          <a:bodyPr/>
+          <a:lstStyle/>
+          <a:p>
+            <a:r>
+              <a:rPr lang="en-GB" sz="3600" b="1" dirty="0">
+                <a:solidFill>
+                  <a:schemeClr val="bg1"/>
+                </a:solidFill>
+                <a:latin typeface="Calibri" panose="020F0502020204030204" pitchFamily="34" charset="0"/>
+                <a:cs typeface="Calibri" panose="020F0502020204030204" pitchFamily="34" charset="0"/>
+              </a:rPr>
+              <a:t>F1 average score and fit elapsed time</a:t>
+            </a:r>
+          </a:p>
+        </p:txBody>
+      </p:sp>
+      <p:sp>
+        <p:nvSpPr>
+          <p:cNvPr id="3" name="Subtitle 2">
+            <a:extLst>
+              <a:ext uri="{FF2B5EF4-FFF2-40B4-BE49-F238E27FC236}">
+                <a16:creationId xmlns:a16="http://schemas.microsoft.com/office/drawing/2014/main" id="{4A036585-664F-4C9C-AE6D-BE56E949A80C}"/>
+              </a:ext>
+            </a:extLst>
+          </p:cNvPr>
+          <p:cNvSpPr>
+            <a:spLocks noGrp="1"/>
+          </p:cNvSpPr>
+          <p:nvPr>
+            <p:ph type="subTitle"/>
+          </p:nvPr>
+        </p:nvSpPr>
+        <p:spPr>
+          <a:xfrm>
+            <a:off x="999241" y="1701720"/>
+            <a:ext cx="10579799" cy="4461840"/>
+          </a:xfrm>
+        </p:spPr>
+        <p:txBody>
+          <a:bodyPr/>
+          <a:lstStyle/>
+          <a:p>
+            <a:pPr marL="0" indent="0">
+              <a:buNone/>
+            </a:pPr>
+            <a:r>
+              <a:rPr lang="en-GB" sz="2400" dirty="0">
+                <a:solidFill>
+                  <a:schemeClr val="bg1"/>
+                </a:solidFill>
+                <a:latin typeface="Calibri" panose="020F0502020204030204" pitchFamily="34" charset="0"/>
+                <a:cs typeface="Calibri" panose="020F0502020204030204" pitchFamily="34" charset="0"/>
+              </a:rPr>
+              <a:t>Results for each (pre-processor, classifier) pair prediction applied to the </a:t>
+            </a:r>
+            <a:r>
+              <a:rPr lang="en-GB" sz="2400" dirty="0" err="1">
+                <a:solidFill>
+                  <a:schemeClr val="bg1"/>
+                </a:solidFill>
+                <a:latin typeface="Calibri" panose="020F0502020204030204" pitchFamily="34" charset="0"/>
+                <a:cs typeface="Calibri" panose="020F0502020204030204" pitchFamily="34" charset="0"/>
+              </a:rPr>
+              <a:t>dev_set</a:t>
+            </a:r>
+            <a:r>
+              <a:rPr lang="en-GB" sz="2400" dirty="0">
+                <a:solidFill>
+                  <a:schemeClr val="bg1"/>
+                </a:solidFill>
+                <a:latin typeface="Calibri" panose="020F0502020204030204" pitchFamily="34" charset="0"/>
+                <a:cs typeface="Calibri" panose="020F0502020204030204" pitchFamily="34" charset="0"/>
+              </a:rPr>
+              <a:t>.</a:t>
+            </a:r>
+          </a:p>
+          <a:p>
+            <a:pPr marL="0" indent="0">
+              <a:buNone/>
+            </a:pPr>
+            <a:endParaRPr lang="en-GB" dirty="0">
+              <a:solidFill>
+                <a:schemeClr val="bg1"/>
+              </a:solidFill>
+            </a:endParaRPr>
+          </a:p>
+          <a:p>
+            <a:pPr marL="0" indent="0">
+              <a:buNone/>
+            </a:pPr>
+            <a:endParaRPr lang="en-GB" dirty="0">
+              <a:solidFill>
+                <a:schemeClr val="bg1"/>
+              </a:solidFill>
+            </a:endParaRPr>
+          </a:p>
+          <a:p>
+            <a:pPr marL="0" indent="0">
+              <a:buNone/>
+            </a:pPr>
+            <a:endParaRPr lang="en-GB" dirty="0">
+              <a:solidFill>
+                <a:schemeClr val="bg1"/>
+              </a:solidFill>
+            </a:endParaRPr>
+          </a:p>
+          <a:p>
+            <a:pPr marL="0" indent="0">
+              <a:buNone/>
+            </a:pPr>
+            <a:endParaRPr lang="en-GB" dirty="0">
+              <a:solidFill>
+                <a:schemeClr val="bg1"/>
+              </a:solidFill>
+            </a:endParaRPr>
+          </a:p>
+          <a:p>
+            <a:pPr marL="0" indent="0">
+              <a:buNone/>
+            </a:pPr>
+            <a:endParaRPr lang="en-GB" dirty="0">
+              <a:solidFill>
+                <a:schemeClr val="bg1"/>
+              </a:solidFill>
+            </a:endParaRPr>
+          </a:p>
+          <a:p>
+            <a:pPr marL="0" indent="0">
+              <a:buNone/>
+            </a:pPr>
+            <a:endParaRPr lang="en-GB" dirty="0">
+              <a:solidFill>
+                <a:schemeClr val="bg1"/>
+              </a:solidFill>
+            </a:endParaRPr>
+          </a:p>
+        </p:txBody>
+      </p:sp>
+      <p:pic>
+        <p:nvPicPr>
+          <p:cNvPr id="5" name="Picture 4">
+            <a:extLst>
+              <a:ext uri="{FF2B5EF4-FFF2-40B4-BE49-F238E27FC236}">
+                <a16:creationId xmlns:a16="http://schemas.microsoft.com/office/drawing/2014/main" id="{7D2E142C-C091-4EBC-9D90-CCC3141E386B}"/>
+              </a:ext>
+            </a:extLst>
+          </p:cNvPr>
+          <p:cNvPicPr>
+            <a:picLocks noChangeAspect="1"/>
+          </p:cNvPicPr>
+          <p:nvPr/>
+        </p:nvPicPr>
+        <p:blipFill>
+          <a:blip r:embed="rId2"/>
+          <a:stretch>
+            <a:fillRect/>
+          </a:stretch>
+        </p:blipFill>
+        <p:spPr>
+          <a:xfrm>
+            <a:off x="344078" y="3271707"/>
+            <a:ext cx="11500668" cy="1656385"/>
+          </a:xfrm>
+          <a:prstGeom prst="rect">
+            <a:avLst/>
+          </a:prstGeom>
+        </p:spPr>
+      </p:pic>
+    </p:spTree>
+    <p:extLst>
+      <p:ext uri="{BB962C8B-B14F-4D97-AF65-F5344CB8AC3E}">
+        <p14:creationId xmlns:p14="http://schemas.microsoft.com/office/powerpoint/2010/main" val="895034498"/>
+      </p:ext>
+    </p:extLst>
+  </p:cSld>
+  <p:clrMapOvr>
+    <a:masterClrMapping/>
+  </p:clrMapOvr>
+</p:sld>
+</file>
+
+<file path=ppt/slides/slide8.xml><?xml version="1.0" encoding="utf-8"?>
+<p:sld xmlns:a="http://schemas.openxmlformats.org/drawingml/2006/main" xmlns:r="http://schemas.openxmlformats.org/officeDocument/2006/relationships" xmlns:p="http://schemas.openxmlformats.org/presentationml/2006/main">
+  <p:cSld>
+    <p:spTree>
+      <p:nvGrpSpPr>
+        <p:cNvPr id="1" name=""/>
+        <p:cNvGrpSpPr/>
+        <p:nvPr/>
+      </p:nvGrpSpPr>
+      <p:grpSpPr>
+        <a:xfrm>
+          <a:off x="0" y="0"/>
+          <a:ext cx="0" cy="0"/>
+          <a:chOff x="0" y="0"/>
+          <a:chExt cx="0" cy="0"/>
+        </a:xfrm>
+      </p:grpSpPr>
+      <p:sp>
+        <p:nvSpPr>
+          <p:cNvPr id="2" name="Title 1">
+            <a:extLst>
+              <a:ext uri="{FF2B5EF4-FFF2-40B4-BE49-F238E27FC236}">
+                <a16:creationId xmlns:a16="http://schemas.microsoft.com/office/drawing/2014/main" id="{EBB62DA8-08A7-48AD-B477-5F8267D6EAF0}"/>
+              </a:ext>
+            </a:extLst>
+          </p:cNvPr>
+          <p:cNvSpPr>
+            <a:spLocks noGrp="1"/>
+          </p:cNvSpPr>
+          <p:nvPr>
+            <p:ph type="title"/>
+          </p:nvPr>
+        </p:nvSpPr>
+        <p:spPr>
+          <a:xfrm>
+            <a:off x="914372" y="239040"/>
+            <a:ext cx="10360080" cy="1223640"/>
+          </a:xfrm>
+        </p:spPr>
+        <p:txBody>
+          <a:bodyPr/>
+          <a:lstStyle/>
+          <a:p>
+            <a:r>
+              <a:rPr lang="en-GB" sz="3200" b="1" dirty="0">
+                <a:solidFill>
+                  <a:schemeClr val="bg1"/>
+                </a:solidFill>
+                <a:latin typeface="Calibri" panose="020F0502020204030204" pitchFamily="34" charset="0"/>
+                <a:cs typeface="Calibri" panose="020F0502020204030204" pitchFamily="34" charset="0"/>
+              </a:rPr>
+              <a:t>MLP Learning curve</a:t>
+            </a:r>
+          </a:p>
+        </p:txBody>
+      </p:sp>
+      <p:pic>
+        <p:nvPicPr>
+          <p:cNvPr id="5" name="Picture 4">
+            <a:extLst>
+              <a:ext uri="{FF2B5EF4-FFF2-40B4-BE49-F238E27FC236}">
+                <a16:creationId xmlns:a16="http://schemas.microsoft.com/office/drawing/2014/main" id="{7893C0FB-0B29-423C-BD47-709870A9C22D}"/>
+              </a:ext>
+            </a:extLst>
+          </p:cNvPr>
+          <p:cNvPicPr>
+            <a:picLocks noChangeAspect="1"/>
+          </p:cNvPicPr>
+          <p:nvPr/>
+        </p:nvPicPr>
+        <p:blipFill>
+          <a:blip r:embed="rId2"/>
+          <a:stretch>
+            <a:fillRect/>
+          </a:stretch>
+        </p:blipFill>
+        <p:spPr>
+          <a:xfrm>
+            <a:off x="4697451" y="0"/>
+            <a:ext cx="7491374" cy="6858000"/>
+          </a:xfrm>
+          <a:prstGeom prst="rect">
+            <a:avLst/>
+          </a:prstGeom>
+        </p:spPr>
+      </p:pic>
+      <p:pic>
+        <p:nvPicPr>
+          <p:cNvPr id="11" name="Picture 10">
+            <a:extLst>
+              <a:ext uri="{FF2B5EF4-FFF2-40B4-BE49-F238E27FC236}">
+                <a16:creationId xmlns:a16="http://schemas.microsoft.com/office/drawing/2014/main" id="{E21F8762-4A42-4F1C-88DA-7593C06247F2}"/>
+              </a:ext>
+            </a:extLst>
+          </p:cNvPr>
+          <p:cNvPicPr>
+            <a:picLocks noChangeAspect="1"/>
+          </p:cNvPicPr>
+          <p:nvPr/>
+        </p:nvPicPr>
+        <p:blipFill>
+          <a:blip r:embed="rId3"/>
+          <a:stretch>
+            <a:fillRect/>
+          </a:stretch>
+        </p:blipFill>
+        <p:spPr>
+          <a:xfrm>
+            <a:off x="1200772" y="1462680"/>
+            <a:ext cx="2962275" cy="5114925"/>
+          </a:xfrm>
+          <a:prstGeom prst="rect">
+            <a:avLst/>
+          </a:prstGeom>
+        </p:spPr>
+      </p:pic>
+    </p:spTree>
+    <p:extLst>
+      <p:ext uri="{BB962C8B-B14F-4D97-AF65-F5344CB8AC3E}">
+        <p14:creationId xmlns:p14="http://schemas.microsoft.com/office/powerpoint/2010/main" val="319557594"/>
+      </p:ext>
+    </p:extLst>
+  </p:cSld>
+  <p:clrMapOvr>
+    <a:masterClrMapping/>
+  </p:clrMapOvr>
 </p:sld>
 </file>
 
